--- a/Final-Group-Presentation/Machine Learning Final.pptx
+++ b/Final-Group-Presentation/Machine Learning Final.pptx
@@ -16,28 +16,30 @@
     <p:sldId id="261" r:id="rId10"/>
     <p:sldId id="262" r:id="rId11"/>
     <p:sldId id="263" r:id="rId12"/>
+    <p:sldId id="264" r:id="rId13"/>
+    <p:sldId id="265" r:id="rId14"/>
   </p:sldIdLst>
   <p:sldSz cy="5143500" cx="9144000"/>
   <p:notesSz cx="6858000" cy="9144000"/>
   <p:embeddedFontLst>
     <p:embeddedFont>
       <p:font typeface="Economica"/>
-      <p:regular r:id="rId13"/>
-      <p:bold r:id="rId14"/>
-      <p:italic r:id="rId15"/>
-      <p:boldItalic r:id="rId16"/>
+      <p:regular r:id="rId15"/>
+      <p:bold r:id="rId16"/>
+      <p:italic r:id="rId17"/>
+      <p:boldItalic r:id="rId18"/>
     </p:embeddedFont>
     <p:embeddedFont>
       <p:font typeface="Oswald"/>
-      <p:regular r:id="rId17"/>
-      <p:bold r:id="rId18"/>
+      <p:regular r:id="rId19"/>
+      <p:bold r:id="rId20"/>
     </p:embeddedFont>
     <p:embeddedFont>
       <p:font typeface="Open Sans"/>
-      <p:regular r:id="rId19"/>
-      <p:bold r:id="rId20"/>
-      <p:italic r:id="rId21"/>
-      <p:boldItalic r:id="rId22"/>
+      <p:regular r:id="rId21"/>
+      <p:bold r:id="rId22"/>
+      <p:italic r:id="rId23"/>
+      <p:boldItalic r:id="rId24"/>
     </p:embeddedFont>
   </p:embeddedFontLst>
   <p:defaultTextStyle>
@@ -793,6 +795,104 @@
 </p:notes>
 </file>
 
+<file path=ppt/notesSlides/notesSlide10.xml><?xml version="1.0" encoding="utf-8"?>
+<p:notes xmlns:a="http://schemas.openxmlformats.org/drawingml/2006/main" xmlns:r="http://schemas.openxmlformats.org/officeDocument/2006/relationships" xmlns:mc="http://schemas.openxmlformats.org/markup-compatibility/2006" xmlns:mv="urn:schemas-microsoft-com:mac:vml" xmlns:p="http://schemas.openxmlformats.org/presentationml/2006/main" xmlns:c="http://schemas.openxmlformats.org/drawingml/2006/chart" xmlns:dgm="http://schemas.openxmlformats.org/drawingml/2006/diagram" xmlns:o="urn:schemas-microsoft-com:office:office" xmlns:v="urn:schemas-microsoft-com:vml" xmlns:pvml="urn:schemas-microsoft-com:office:powerpoint" xmlns:com="http://schemas.openxmlformats.org/drawingml/2006/compatibility" xmlns:p14="http://schemas.microsoft.com/office/powerpoint/2010/main" xmlns:p15="http://schemas.microsoft.com/office/powerpoint/2012/main" showMasterPhAnim="0" showMasterSp="0">
+  <p:cSld>
+    <p:spTree>
+      <p:nvGrpSpPr>
+        <p:cNvPr id="119" name="Shape 119"/>
+        <p:cNvGrpSpPr/>
+        <p:nvPr/>
+      </p:nvGrpSpPr>
+      <p:grpSpPr>
+        <a:xfrm>
+          <a:off x="0" y="0"/>
+          <a:ext cx="0" cy="0"/>
+          <a:chOff x="0" y="0"/>
+          <a:chExt cx="0" cy="0"/>
+        </a:xfrm>
+      </p:grpSpPr>
+      <p:sp>
+        <p:nvSpPr>
+          <p:cNvPr id="120" name="Shape 120"/>
+          <p:cNvSpPr/>
+          <p:nvPr>
+            <p:ph idx="2" type="sldImg"/>
+          </p:nvPr>
+        </p:nvSpPr>
+        <p:spPr>
+          <a:xfrm>
+            <a:off x="381300" y="685800"/>
+            <a:ext cx="6096000" cy="3429000"/>
+          </a:xfrm>
+          <a:custGeom>
+            <a:pathLst>
+              <a:path extrusionOk="0" h="120000" w="120000">
+                <a:moveTo>
+                  <a:pt x="0" y="0"/>
+                </a:moveTo>
+                <a:lnTo>
+                  <a:pt x="120000" y="0"/>
+                </a:lnTo>
+                <a:lnTo>
+                  <a:pt x="120000" y="120000"/>
+                </a:lnTo>
+                <a:lnTo>
+                  <a:pt x="0" y="120000"/>
+                </a:lnTo>
+                <a:close/>
+              </a:path>
+            </a:pathLst>
+          </a:custGeom>
+        </p:spPr>
+      </p:sp>
+      <p:sp>
+        <p:nvSpPr>
+          <p:cNvPr id="121" name="Shape 121"/>
+          <p:cNvSpPr txBox="1"/>
+          <p:nvPr>
+            <p:ph idx="1" type="body"/>
+          </p:nvPr>
+        </p:nvSpPr>
+        <p:spPr>
+          <a:xfrm>
+            <a:off x="685800" y="4343400"/>
+            <a:ext cx="5486400" cy="4114800"/>
+          </a:xfrm>
+          <a:prstGeom prst="rect">
+            <a:avLst/>
+          </a:prstGeom>
+        </p:spPr>
+        <p:txBody>
+          <a:bodyPr anchorCtr="0" anchor="t" bIns="91425" lIns="91425" spcFirstLastPara="1" rIns="91425" wrap="square" tIns="91425">
+            <a:noAutofit/>
+          </a:bodyPr>
+          <a:lstStyle/>
+          <a:p>
+            <a:pPr indent="0" lvl="0" marL="0">
+              <a:spcBef>
+                <a:spcPts val="0"/>
+              </a:spcBef>
+              <a:spcAft>
+                <a:spcPts val="0"/>
+              </a:spcAft>
+              <a:buNone/>
+            </a:pPr>
+            <a:r>
+              <a:t/>
+            </a:r>
+            <a:endParaRPr/>
+          </a:p>
+        </p:txBody>
+      </p:sp>
+    </p:spTree>
+  </p:cSld>
+  <p:clrMapOvr>
+    <a:masterClrMapping/>
+  </p:clrMapOvr>
+</p:notes>
+</file>
+
 <file path=ppt/notesSlides/notesSlide2.xml><?xml version="1.0" encoding="utf-8"?>
 <p:notes xmlns:a="http://schemas.openxmlformats.org/drawingml/2006/main" xmlns:r="http://schemas.openxmlformats.org/officeDocument/2006/relationships" xmlns:mc="http://schemas.openxmlformats.org/markup-compatibility/2006" xmlns:mv="urn:schemas-microsoft-com:mac:vml" xmlns:p="http://schemas.openxmlformats.org/presentationml/2006/main" xmlns:c="http://schemas.openxmlformats.org/drawingml/2006/chart" xmlns:dgm="http://schemas.openxmlformats.org/drawingml/2006/diagram" xmlns:o="urn:schemas-microsoft-com:office:office" xmlns:v="urn:schemas-microsoft-com:vml" xmlns:pvml="urn:schemas-microsoft-com:office:powerpoint" xmlns:com="http://schemas.openxmlformats.org/drawingml/2006/compatibility" xmlns:p14="http://schemas.microsoft.com/office/powerpoint/2010/main" xmlns:p15="http://schemas.microsoft.com/office/powerpoint/2012/main" showMasterPhAnim="0" showMasterSp="0">
   <p:cSld>
@@ -1092,7 +1192,7 @@
   <p:cSld>
     <p:spTree>
       <p:nvGrpSpPr>
-        <p:cNvPr id="82" name="Shape 82"/>
+        <p:cNvPr id="84" name="Shape 84"/>
         <p:cNvGrpSpPr/>
         <p:nvPr/>
       </p:nvGrpSpPr>
@@ -1106,7 +1206,7 @@
       </p:grpSpPr>
       <p:sp>
         <p:nvSpPr>
-          <p:cNvPr id="83" name="Shape 83"/>
+          <p:cNvPr id="85" name="Shape 85"/>
           <p:cNvSpPr/>
           <p:nvPr>
             <p:ph idx="2" type="sldImg"/>
@@ -1140,7 +1240,7 @@
       </p:sp>
       <p:sp>
         <p:nvSpPr>
-          <p:cNvPr id="84" name="Shape 84"/>
+          <p:cNvPr id="86" name="Shape 86"/>
           <p:cNvSpPr txBox="1"/>
           <p:nvPr>
             <p:ph idx="1" type="body"/>
@@ -1161,7 +1261,7 @@
           </a:bodyPr>
           <a:lstStyle/>
           <a:p>
-            <a:pPr indent="0" lvl="0" marL="0">
+            <a:pPr indent="0" lvl="0" marL="0" rtl="0">
               <a:spcBef>
                 <a:spcPts val="0"/>
               </a:spcBef>
@@ -1190,7 +1290,7 @@
   <p:cSld>
     <p:spTree>
       <p:nvGrpSpPr>
-        <p:cNvPr id="88" name="Shape 88"/>
+        <p:cNvPr id="91" name="Shape 91"/>
         <p:cNvGrpSpPr/>
         <p:nvPr/>
       </p:nvGrpSpPr>
@@ -1204,7 +1304,7 @@
       </p:grpSpPr>
       <p:sp>
         <p:nvSpPr>
-          <p:cNvPr id="89" name="Shape 89"/>
+          <p:cNvPr id="92" name="Shape 92"/>
           <p:cNvSpPr/>
           <p:nvPr>
             <p:ph idx="2" type="sldImg"/>
@@ -1238,7 +1338,7 @@
       </p:sp>
       <p:sp>
         <p:nvSpPr>
-          <p:cNvPr id="90" name="Shape 90"/>
+          <p:cNvPr id="93" name="Shape 93"/>
           <p:cNvSpPr txBox="1"/>
           <p:nvPr>
             <p:ph idx="1" type="body"/>
@@ -1288,7 +1388,7 @@
   <p:cSld>
     <p:spTree>
       <p:nvGrpSpPr>
-        <p:cNvPr id="95" name="Shape 95"/>
+        <p:cNvPr id="97" name="Shape 97"/>
         <p:cNvGrpSpPr/>
         <p:nvPr/>
       </p:nvGrpSpPr>
@@ -1302,7 +1402,7 @@
       </p:grpSpPr>
       <p:sp>
         <p:nvSpPr>
-          <p:cNvPr id="96" name="Shape 96"/>
+          <p:cNvPr id="98" name="Shape 98"/>
           <p:cNvSpPr/>
           <p:nvPr>
             <p:ph idx="2" type="sldImg"/>
@@ -1336,7 +1436,7 @@
       </p:sp>
       <p:sp>
         <p:nvSpPr>
-          <p:cNvPr id="97" name="Shape 97"/>
+          <p:cNvPr id="99" name="Shape 99"/>
           <p:cNvSpPr txBox="1"/>
           <p:nvPr>
             <p:ph idx="1" type="body"/>
@@ -1386,7 +1486,7 @@
   <p:cSld>
     <p:spTree>
       <p:nvGrpSpPr>
-        <p:cNvPr id="101" name="Shape 101"/>
+        <p:cNvPr id="104" name="Shape 104"/>
         <p:cNvGrpSpPr/>
         <p:nvPr/>
       </p:nvGrpSpPr>
@@ -1400,7 +1500,7 @@
       </p:grpSpPr>
       <p:sp>
         <p:nvSpPr>
-          <p:cNvPr id="102" name="Shape 102"/>
+          <p:cNvPr id="105" name="Shape 105"/>
           <p:cNvSpPr/>
           <p:nvPr>
             <p:ph idx="2" type="sldImg"/>
@@ -1434,7 +1534,105 @@
       </p:sp>
       <p:sp>
         <p:nvSpPr>
-          <p:cNvPr id="103" name="Shape 103"/>
+          <p:cNvPr id="106" name="Shape 106"/>
+          <p:cNvSpPr txBox="1"/>
+          <p:nvPr>
+            <p:ph idx="1" type="body"/>
+          </p:nvPr>
+        </p:nvSpPr>
+        <p:spPr>
+          <a:xfrm>
+            <a:off x="685800" y="4343400"/>
+            <a:ext cx="5486400" cy="4114800"/>
+          </a:xfrm>
+          <a:prstGeom prst="rect">
+            <a:avLst/>
+          </a:prstGeom>
+        </p:spPr>
+        <p:txBody>
+          <a:bodyPr anchorCtr="0" anchor="t" bIns="91425" lIns="91425" spcFirstLastPara="1" rIns="91425" wrap="square" tIns="91425">
+            <a:noAutofit/>
+          </a:bodyPr>
+          <a:lstStyle/>
+          <a:p>
+            <a:pPr indent="0" lvl="0" marL="0">
+              <a:spcBef>
+                <a:spcPts val="0"/>
+              </a:spcBef>
+              <a:spcAft>
+                <a:spcPts val="0"/>
+              </a:spcAft>
+              <a:buNone/>
+            </a:pPr>
+            <a:r>
+              <a:t/>
+            </a:r>
+            <a:endParaRPr/>
+          </a:p>
+        </p:txBody>
+      </p:sp>
+    </p:spTree>
+  </p:cSld>
+  <p:clrMapOvr>
+    <a:masterClrMapping/>
+  </p:clrMapOvr>
+</p:notes>
+</file>
+
+<file path=ppt/notesSlides/notesSlide9.xml><?xml version="1.0" encoding="utf-8"?>
+<p:notes xmlns:a="http://schemas.openxmlformats.org/drawingml/2006/main" xmlns:r="http://schemas.openxmlformats.org/officeDocument/2006/relationships" xmlns:mc="http://schemas.openxmlformats.org/markup-compatibility/2006" xmlns:mv="urn:schemas-microsoft-com:mac:vml" xmlns:p="http://schemas.openxmlformats.org/presentationml/2006/main" xmlns:c="http://schemas.openxmlformats.org/drawingml/2006/chart" xmlns:dgm="http://schemas.openxmlformats.org/drawingml/2006/diagram" xmlns:o="urn:schemas-microsoft-com:office:office" xmlns:v="urn:schemas-microsoft-com:vml" xmlns:pvml="urn:schemas-microsoft-com:office:powerpoint" xmlns:com="http://schemas.openxmlformats.org/drawingml/2006/compatibility" xmlns:p14="http://schemas.microsoft.com/office/powerpoint/2010/main" xmlns:p15="http://schemas.microsoft.com/office/powerpoint/2012/main" showMasterPhAnim="0" showMasterSp="0">
+  <p:cSld>
+    <p:spTree>
+      <p:nvGrpSpPr>
+        <p:cNvPr id="111" name="Shape 111"/>
+        <p:cNvGrpSpPr/>
+        <p:nvPr/>
+      </p:nvGrpSpPr>
+      <p:grpSpPr>
+        <a:xfrm>
+          <a:off x="0" y="0"/>
+          <a:ext cx="0" cy="0"/>
+          <a:chOff x="0" y="0"/>
+          <a:chExt cx="0" cy="0"/>
+        </a:xfrm>
+      </p:grpSpPr>
+      <p:sp>
+        <p:nvSpPr>
+          <p:cNvPr id="112" name="Shape 112"/>
+          <p:cNvSpPr/>
+          <p:nvPr>
+            <p:ph idx="2" type="sldImg"/>
+          </p:nvPr>
+        </p:nvSpPr>
+        <p:spPr>
+          <a:xfrm>
+            <a:off x="381300" y="685800"/>
+            <a:ext cx="6096000" cy="3429000"/>
+          </a:xfrm>
+          <a:custGeom>
+            <a:pathLst>
+              <a:path extrusionOk="0" h="120000" w="120000">
+                <a:moveTo>
+                  <a:pt x="0" y="0"/>
+                </a:moveTo>
+                <a:lnTo>
+                  <a:pt x="120000" y="0"/>
+                </a:lnTo>
+                <a:lnTo>
+                  <a:pt x="120000" y="120000"/>
+                </a:lnTo>
+                <a:lnTo>
+                  <a:pt x="0" y="120000"/>
+                </a:lnTo>
+                <a:close/>
+              </a:path>
+            </a:pathLst>
+          </a:custGeom>
+        </p:spPr>
+      </p:sp>
+      <p:sp>
+        <p:nvSpPr>
+          <p:cNvPr id="113" name="Shape 113"/>
           <p:cNvSpPr txBox="1"/>
           <p:nvPr>
             <p:ph idx="1" type="body"/>
@@ -7069,6 +7267,237 @@
 </p:sld>
 </file>
 
+<file path=ppt/slides/slide10.xml><?xml version="1.0" encoding="utf-8"?>
+<p:sld xmlns:a="http://schemas.openxmlformats.org/drawingml/2006/main" xmlns:r="http://schemas.openxmlformats.org/officeDocument/2006/relationships" xmlns:mc="http://schemas.openxmlformats.org/markup-compatibility/2006" xmlns:mv="urn:schemas-microsoft-com:mac:vml" xmlns:p="http://schemas.openxmlformats.org/presentationml/2006/main" xmlns:c="http://schemas.openxmlformats.org/drawingml/2006/chart" xmlns:dgm="http://schemas.openxmlformats.org/drawingml/2006/diagram" xmlns:o="urn:schemas-microsoft-com:office:office" xmlns:v="urn:schemas-microsoft-com:vml" xmlns:pvml="urn:schemas-microsoft-com:office:powerpoint" xmlns:com="http://schemas.openxmlformats.org/drawingml/2006/compatibility" xmlns:p14="http://schemas.microsoft.com/office/powerpoint/2010/main" xmlns:p15="http://schemas.microsoft.com/office/powerpoint/2012/main">
+  <p:cSld>
+    <p:spTree>
+      <p:nvGrpSpPr>
+        <p:cNvPr id="122" name="Shape 122"/>
+        <p:cNvGrpSpPr/>
+        <p:nvPr/>
+      </p:nvGrpSpPr>
+      <p:grpSpPr>
+        <a:xfrm>
+          <a:off x="0" y="0"/>
+          <a:ext cx="0" cy="0"/>
+          <a:chOff x="0" y="0"/>
+          <a:chExt cx="0" cy="0"/>
+        </a:xfrm>
+      </p:grpSpPr>
+      <p:sp>
+        <p:nvSpPr>
+          <p:cNvPr id="123" name="Shape 123"/>
+          <p:cNvSpPr txBox="1"/>
+          <p:nvPr>
+            <p:ph type="title"/>
+          </p:nvPr>
+        </p:nvSpPr>
+        <p:spPr>
+          <a:xfrm>
+            <a:off x="311700" y="315925"/>
+            <a:ext cx="8520600" cy="831300"/>
+          </a:xfrm>
+          <a:prstGeom prst="rect">
+            <a:avLst/>
+          </a:prstGeom>
+        </p:spPr>
+        <p:txBody>
+          <a:bodyPr anchorCtr="0" anchor="b" bIns="91425" lIns="91425" spcFirstLastPara="1" rIns="91425" wrap="square" tIns="91425">
+            <a:noAutofit/>
+          </a:bodyPr>
+          <a:lstStyle/>
+          <a:p>
+            <a:pPr indent="0" lvl="0" marL="0">
+              <a:spcBef>
+                <a:spcPts val="0"/>
+              </a:spcBef>
+              <a:spcAft>
+                <a:spcPts val="0"/>
+              </a:spcAft>
+              <a:buNone/>
+            </a:pPr>
+            <a:r>
+              <a:rPr lang="en"/>
+              <a:t>Conclusions</a:t>
+            </a:r>
+            <a:endParaRPr/>
+          </a:p>
+        </p:txBody>
+      </p:sp>
+      <p:sp>
+        <p:nvSpPr>
+          <p:cNvPr id="124" name="Shape 124"/>
+          <p:cNvSpPr txBox="1"/>
+          <p:nvPr>
+            <p:ph idx="1" type="body"/>
+          </p:nvPr>
+        </p:nvSpPr>
+        <p:spPr>
+          <a:xfrm>
+            <a:off x="311700" y="1225225"/>
+            <a:ext cx="8520600" cy="3354000"/>
+          </a:xfrm>
+          <a:prstGeom prst="rect">
+            <a:avLst/>
+          </a:prstGeom>
+        </p:spPr>
+        <p:txBody>
+          <a:bodyPr anchorCtr="0" anchor="t" bIns="91425" lIns="91425" spcFirstLastPara="1" rIns="91425" wrap="square" tIns="91425">
+            <a:noAutofit/>
+          </a:bodyPr>
+          <a:lstStyle/>
+          <a:p>
+            <a:pPr indent="0" lvl="0" marL="0" rtl="0" algn="just">
+              <a:lnSpc>
+                <a:spcPct val="130000"/>
+              </a:lnSpc>
+              <a:spcBef>
+                <a:spcPts val="1000"/>
+              </a:spcBef>
+              <a:spcAft>
+                <a:spcPts val="0"/>
+              </a:spcAft>
+              <a:buNone/>
+            </a:pPr>
+            <a:r>
+              <a:rPr lang="en">
+                <a:solidFill>
+                  <a:srgbClr val="666666"/>
+                </a:solidFill>
+                <a:latin typeface="Droid Serif"/>
+                <a:ea typeface="Droid Serif"/>
+                <a:cs typeface="Droid Serif"/>
+                <a:sym typeface="Droid Serif"/>
+              </a:rPr>
+              <a:t>Most of our conclusions aligned with our initial hypothesis that the CNN models would perform better during both the testing and training phases. We can see this by directly comparing either their accuracies or their confusion matrices. </a:t>
+            </a:r>
+            <a:endParaRPr>
+              <a:solidFill>
+                <a:srgbClr val="666666"/>
+              </a:solidFill>
+              <a:latin typeface="Droid Serif"/>
+              <a:ea typeface="Droid Serif"/>
+              <a:cs typeface="Droid Serif"/>
+              <a:sym typeface="Droid Serif"/>
+            </a:endParaRPr>
+          </a:p>
+          <a:p>
+            <a:pPr indent="0" lvl="0" marL="0" rtl="0" algn="just">
+              <a:lnSpc>
+                <a:spcPct val="130000"/>
+              </a:lnSpc>
+              <a:spcBef>
+                <a:spcPts val="1000"/>
+              </a:spcBef>
+              <a:spcAft>
+                <a:spcPts val="0"/>
+              </a:spcAft>
+              <a:buNone/>
+            </a:pPr>
+            <a:r>
+              <a:rPr lang="en">
+                <a:solidFill>
+                  <a:srgbClr val="666666"/>
+                </a:solidFill>
+                <a:latin typeface="Droid Serif"/>
+                <a:ea typeface="Droid Serif"/>
+                <a:cs typeface="Droid Serif"/>
+                <a:sym typeface="Droid Serif"/>
+              </a:rPr>
+              <a:t>Improvisation:</a:t>
+            </a:r>
+            <a:endParaRPr>
+              <a:solidFill>
+                <a:srgbClr val="666666"/>
+              </a:solidFill>
+              <a:latin typeface="Droid Serif"/>
+              <a:ea typeface="Droid Serif"/>
+              <a:cs typeface="Droid Serif"/>
+              <a:sym typeface="Droid Serif"/>
+            </a:endParaRPr>
+          </a:p>
+          <a:p>
+            <a:pPr indent="0" lvl="0" marL="0" rtl="0" algn="just">
+              <a:lnSpc>
+                <a:spcPct val="130000"/>
+              </a:lnSpc>
+              <a:spcBef>
+                <a:spcPts val="1000"/>
+              </a:spcBef>
+              <a:spcAft>
+                <a:spcPts val="0"/>
+              </a:spcAft>
+              <a:buClr>
+                <a:schemeClr val="dk1"/>
+              </a:buClr>
+              <a:buSzPts val="1100"/>
+              <a:buFont typeface="Arial"/>
+              <a:buNone/>
+            </a:pPr>
+            <a:r>
+              <a:rPr lang="en">
+                <a:solidFill>
+                  <a:srgbClr val="666666"/>
+                </a:solidFill>
+                <a:latin typeface="Droid Serif"/>
+                <a:ea typeface="Droid Serif"/>
+                <a:cs typeface="Droid Serif"/>
+                <a:sym typeface="Droid Serif"/>
+              </a:rPr>
+              <a:t>Addition of Batch normalization and Drop out at the same time.</a:t>
+            </a:r>
+            <a:endParaRPr>
+              <a:solidFill>
+                <a:srgbClr val="666666"/>
+              </a:solidFill>
+              <a:latin typeface="Droid Serif"/>
+              <a:ea typeface="Droid Serif"/>
+              <a:cs typeface="Droid Serif"/>
+              <a:sym typeface="Droid Serif"/>
+            </a:endParaRPr>
+          </a:p>
+          <a:p>
+            <a:pPr indent="0" lvl="0" marL="0" rtl="0" algn="just">
+              <a:lnSpc>
+                <a:spcPct val="130000"/>
+              </a:lnSpc>
+              <a:spcBef>
+                <a:spcPts val="1000"/>
+              </a:spcBef>
+              <a:spcAft>
+                <a:spcPts val="0"/>
+              </a:spcAft>
+              <a:buClr>
+                <a:schemeClr val="dk1"/>
+              </a:buClr>
+              <a:buSzPts val="1100"/>
+              <a:buFont typeface="Arial"/>
+              <a:buNone/>
+            </a:pPr>
+            <a:r>
+              <a:rPr lang="en">
+                <a:solidFill>
+                  <a:srgbClr val="666666"/>
+                </a:solidFill>
+                <a:latin typeface="Droid Serif"/>
+                <a:ea typeface="Droid Serif"/>
+                <a:cs typeface="Droid Serif"/>
+                <a:sym typeface="Droid Serif"/>
+              </a:rPr>
+              <a:t>Implement a few different optimizers with various learning weights and use K-Fold Cross Validation to find the optimal values.</a:t>
+            </a:r>
+            <a:endParaRPr/>
+          </a:p>
+        </p:txBody>
+      </p:sp>
+    </p:spTree>
+  </p:cSld>
+  <p:clrMapOvr>
+    <a:masterClrMapping/>
+  </p:clrMapOvr>
+</p:sld>
+</file>
+
 <file path=ppt/slides/slide2.xml><?xml version="1.0" encoding="utf-8"?>
 <p:sld xmlns:a="http://schemas.openxmlformats.org/drawingml/2006/main" xmlns:r="http://schemas.openxmlformats.org/officeDocument/2006/relationships" xmlns:mc="http://schemas.openxmlformats.org/markup-compatibility/2006" xmlns:mv="urn:schemas-microsoft-com:mac:vml" xmlns:p="http://schemas.openxmlformats.org/presentationml/2006/main" xmlns:c="http://schemas.openxmlformats.org/drawingml/2006/chart" xmlns:dgm="http://schemas.openxmlformats.org/drawingml/2006/diagram" xmlns:o="urn:schemas-microsoft-com:office:office" xmlns:v="urn:schemas-microsoft-com:vml" xmlns:pvml="urn:schemas-microsoft-com:office:powerpoint" xmlns:com="http://schemas.openxmlformats.org/drawingml/2006/compatibility" xmlns:p14="http://schemas.microsoft.com/office/powerpoint/2010/main" xmlns:p15="http://schemas.microsoft.com/office/powerpoint/2012/main">
   <p:cSld>
@@ -7574,7 +8003,7 @@
             </a:pPr>
             <a:r>
               <a:rPr lang="en"/>
-              <a:t>MLP</a:t>
+              <a:t>MultiLayer Perceptron Neural Network</a:t>
             </a:r>
             <a:endParaRPr/>
           </a:p>
@@ -7583,6 +8012,170 @@
       <p:sp>
         <p:nvSpPr>
           <p:cNvPr id="81" name="Shape 81"/>
+          <p:cNvSpPr txBox="1"/>
+          <p:nvPr>
+            <p:ph idx="1" type="body"/>
+          </p:nvPr>
+        </p:nvSpPr>
+        <p:spPr>
+          <a:xfrm>
+            <a:off x="311700" y="1225225"/>
+            <a:ext cx="5239500" cy="3354000"/>
+          </a:xfrm>
+          <a:prstGeom prst="rect">
+            <a:avLst/>
+          </a:prstGeom>
+        </p:spPr>
+        <p:txBody>
+          <a:bodyPr anchorCtr="0" anchor="t" bIns="91425" lIns="91425" spcFirstLastPara="1" rIns="91425" wrap="square" tIns="91425">
+            <a:noAutofit/>
+          </a:bodyPr>
+          <a:lstStyle/>
+          <a:p>
+            <a:pPr indent="0" lvl="0" marL="0">
+              <a:spcBef>
+                <a:spcPts val="0"/>
+              </a:spcBef>
+              <a:spcAft>
+                <a:spcPts val="1600"/>
+              </a:spcAft>
+              <a:buNone/>
+            </a:pPr>
+            <a:r>
+              <a:t/>
+            </a:r>
+            <a:endParaRPr/>
+          </a:p>
+        </p:txBody>
+      </p:sp>
+      <p:pic>
+        <p:nvPicPr>
+          <p:cNvPr id="82" name="Shape 82"/>
+          <p:cNvPicPr preferRelativeResize="0"/>
+          <p:nvPr/>
+        </p:nvPicPr>
+        <p:blipFill>
+          <a:blip r:embed="rId3">
+            <a:alphaModFix/>
+          </a:blip>
+          <a:stretch>
+            <a:fillRect/>
+          </a:stretch>
+        </p:blipFill>
+        <p:spPr>
+          <a:xfrm>
+            <a:off x="311700" y="1225225"/>
+            <a:ext cx="5422050" cy="3354000"/>
+          </a:xfrm>
+          <a:prstGeom prst="rect">
+            <a:avLst/>
+          </a:prstGeom>
+          <a:noFill/>
+          <a:ln>
+            <a:noFill/>
+          </a:ln>
+        </p:spPr>
+      </p:pic>
+      <p:pic>
+        <p:nvPicPr>
+          <p:cNvPr id="83" name="Shape 83"/>
+          <p:cNvPicPr preferRelativeResize="0"/>
+          <p:nvPr/>
+        </p:nvPicPr>
+        <p:blipFill>
+          <a:blip r:embed="rId4">
+            <a:alphaModFix/>
+          </a:blip>
+          <a:stretch>
+            <a:fillRect/>
+          </a:stretch>
+        </p:blipFill>
+        <p:spPr>
+          <a:xfrm>
+            <a:off x="5886150" y="1299625"/>
+            <a:ext cx="3028950" cy="1390650"/>
+          </a:xfrm>
+          <a:prstGeom prst="rect">
+            <a:avLst/>
+          </a:prstGeom>
+          <a:noFill/>
+          <a:ln>
+            <a:noFill/>
+          </a:ln>
+        </p:spPr>
+      </p:pic>
+    </p:spTree>
+  </p:cSld>
+  <p:clrMapOvr>
+    <a:masterClrMapping/>
+  </p:clrMapOvr>
+</p:sld>
+</file>
+
+<file path=ppt/slides/slide5.xml><?xml version="1.0" encoding="utf-8"?>
+<p:sld xmlns:a="http://schemas.openxmlformats.org/drawingml/2006/main" xmlns:r="http://schemas.openxmlformats.org/officeDocument/2006/relationships" xmlns:mc="http://schemas.openxmlformats.org/markup-compatibility/2006" xmlns:mv="urn:schemas-microsoft-com:mac:vml" xmlns:p="http://schemas.openxmlformats.org/presentationml/2006/main" xmlns:c="http://schemas.openxmlformats.org/drawingml/2006/chart" xmlns:dgm="http://schemas.openxmlformats.org/drawingml/2006/diagram" xmlns:o="urn:schemas-microsoft-com:office:office" xmlns:v="urn:schemas-microsoft-com:vml" xmlns:pvml="urn:schemas-microsoft-com:office:powerpoint" xmlns:com="http://schemas.openxmlformats.org/drawingml/2006/compatibility" xmlns:p14="http://schemas.microsoft.com/office/powerpoint/2010/main" xmlns:p15="http://schemas.microsoft.com/office/powerpoint/2012/main">
+  <p:cSld>
+    <p:spTree>
+      <p:nvGrpSpPr>
+        <p:cNvPr id="87" name="Shape 87"/>
+        <p:cNvGrpSpPr/>
+        <p:nvPr/>
+      </p:nvGrpSpPr>
+      <p:grpSpPr>
+        <a:xfrm>
+          <a:off x="0" y="0"/>
+          <a:ext cx="0" cy="0"/>
+          <a:chOff x="0" y="0"/>
+          <a:chExt cx="0" cy="0"/>
+        </a:xfrm>
+      </p:grpSpPr>
+      <p:sp>
+        <p:nvSpPr>
+          <p:cNvPr id="88" name="Shape 88"/>
+          <p:cNvSpPr txBox="1"/>
+          <p:nvPr>
+            <p:ph type="title"/>
+          </p:nvPr>
+        </p:nvSpPr>
+        <p:spPr>
+          <a:xfrm>
+            <a:off x="311700" y="315925"/>
+            <a:ext cx="8520600" cy="831300"/>
+          </a:xfrm>
+          <a:prstGeom prst="rect">
+            <a:avLst/>
+          </a:prstGeom>
+        </p:spPr>
+        <p:txBody>
+          <a:bodyPr anchorCtr="0" anchor="b" bIns="91425" lIns="91425" spcFirstLastPara="1" rIns="91425" wrap="square" tIns="91425">
+            <a:noAutofit/>
+          </a:bodyPr>
+          <a:lstStyle/>
+          <a:p>
+            <a:pPr indent="0" lvl="0" marL="0" rtl="0">
+              <a:spcBef>
+                <a:spcPts val="0"/>
+              </a:spcBef>
+              <a:spcAft>
+                <a:spcPts val="0"/>
+              </a:spcAft>
+              <a:buNone/>
+            </a:pPr>
+            <a:r>
+              <a:rPr lang="en"/>
+              <a:t>MLP Results</a:t>
+            </a:r>
+            <a:r>
+              <a:rPr lang="en"/>
+              <a:t> </a:t>
+            </a:r>
+            <a:endParaRPr/>
+          </a:p>
+        </p:txBody>
+      </p:sp>
+      <p:sp>
+        <p:nvSpPr>
+          <p:cNvPr id="89" name="Shape 89"/>
           <p:cNvSpPr txBox="1"/>
           <p:nvPr>
             <p:ph idx="1" type="body"/>
@@ -7608,6 +8201,35 @@
                 <a:spcPts val="0"/>
               </a:spcBef>
               <a:spcAft>
+                <a:spcPts val="0"/>
+              </a:spcAft>
+              <a:buClr>
+                <a:schemeClr val="dk1"/>
+              </a:buClr>
+              <a:buSzPts val="1100"/>
+              <a:buFont typeface="Arial"/>
+              <a:buNone/>
+            </a:pPr>
+            <a:r>
+              <a:rPr lang="en"/>
+              <a:t>88</a:t>
+            </a:r>
+            <a:r>
+              <a:rPr lang="en"/>
+              <a:t>% </a:t>
+            </a:r>
+            <a:r>
+              <a:rPr lang="en"/>
+              <a:t>Training Accuracy and 43% Test Accuracy</a:t>
+            </a:r>
+            <a:endParaRPr/>
+          </a:p>
+          <a:p>
+            <a:pPr indent="0" lvl="0" marL="0" rtl="0">
+              <a:spcBef>
+                <a:spcPts val="1600"/>
+              </a:spcBef>
+              <a:spcAft>
                 <a:spcPts val="1600"/>
               </a:spcAft>
               <a:buNone/>
@@ -7619,6 +8241,34 @@
           </a:p>
         </p:txBody>
       </p:sp>
+      <p:pic>
+        <p:nvPicPr>
+          <p:cNvPr id="90" name="Shape 90"/>
+          <p:cNvPicPr preferRelativeResize="0"/>
+          <p:nvPr/>
+        </p:nvPicPr>
+        <p:blipFill>
+          <a:blip r:embed="rId3">
+            <a:alphaModFix/>
+          </a:blip>
+          <a:stretch>
+            <a:fillRect/>
+          </a:stretch>
+        </p:blipFill>
+        <p:spPr>
+          <a:xfrm>
+            <a:off x="109525" y="1864602"/>
+            <a:ext cx="8924925" cy="3156775"/>
+          </a:xfrm>
+          <a:prstGeom prst="rect">
+            <a:avLst/>
+          </a:prstGeom>
+          <a:noFill/>
+          <a:ln>
+            <a:noFill/>
+          </a:ln>
+        </p:spPr>
+      </p:pic>
     </p:spTree>
   </p:cSld>
   <p:clrMapOvr>
@@ -7627,12 +8277,12 @@
 </p:sld>
 </file>
 
-<file path=ppt/slides/slide5.xml><?xml version="1.0" encoding="utf-8"?>
+<file path=ppt/slides/slide6.xml><?xml version="1.0" encoding="utf-8"?>
 <p:sld xmlns:a="http://schemas.openxmlformats.org/drawingml/2006/main" xmlns:r="http://schemas.openxmlformats.org/officeDocument/2006/relationships" xmlns:mc="http://schemas.openxmlformats.org/markup-compatibility/2006" xmlns:mv="urn:schemas-microsoft-com:mac:vml" xmlns:p="http://schemas.openxmlformats.org/presentationml/2006/main" xmlns:c="http://schemas.openxmlformats.org/drawingml/2006/chart" xmlns:dgm="http://schemas.openxmlformats.org/drawingml/2006/diagram" xmlns:o="urn:schemas-microsoft-com:office:office" xmlns:v="urn:schemas-microsoft-com:vml" xmlns:pvml="urn:schemas-microsoft-com:office:powerpoint" xmlns:com="http://schemas.openxmlformats.org/drawingml/2006/compatibility" xmlns:p14="http://schemas.microsoft.com/office/powerpoint/2010/main" xmlns:p15="http://schemas.microsoft.com/office/powerpoint/2012/main">
   <p:cSld>
     <p:spTree>
       <p:nvGrpSpPr>
-        <p:cNvPr id="85" name="Shape 85"/>
+        <p:cNvPr id="94" name="Shape 94"/>
         <p:cNvGrpSpPr/>
         <p:nvPr/>
       </p:nvGrpSpPr>
@@ -7646,7 +8296,7 @@
       </p:grpSpPr>
       <p:sp>
         <p:nvSpPr>
-          <p:cNvPr id="86" name="Shape 86"/>
+          <p:cNvPr id="95" name="Shape 95"/>
           <p:cNvSpPr txBox="1"/>
           <p:nvPr>
             <p:ph type="title"/>
@@ -7694,7 +8344,7 @@
       </p:sp>
       <p:pic>
         <p:nvPicPr>
-          <p:cNvPr id="87" name="Shape 87"/>
+          <p:cNvPr id="96" name="Shape 96"/>
           <p:cNvPicPr preferRelativeResize="0"/>
           <p:nvPr/>
         </p:nvPicPr>
@@ -7728,12 +8378,12 @@
 </p:sld>
 </file>
 
-<file path=ppt/slides/slide6.xml><?xml version="1.0" encoding="utf-8"?>
+<file path=ppt/slides/slide7.xml><?xml version="1.0" encoding="utf-8"?>
 <p:sld xmlns:a="http://schemas.openxmlformats.org/drawingml/2006/main" xmlns:r="http://schemas.openxmlformats.org/officeDocument/2006/relationships" xmlns:mc="http://schemas.openxmlformats.org/markup-compatibility/2006" xmlns:mv="urn:schemas-microsoft-com:mac:vml" xmlns:p="http://schemas.openxmlformats.org/presentationml/2006/main" xmlns:c="http://schemas.openxmlformats.org/drawingml/2006/chart" xmlns:dgm="http://schemas.openxmlformats.org/drawingml/2006/diagram" xmlns:o="urn:schemas-microsoft-com:office:office" xmlns:v="urn:schemas-microsoft-com:vml" xmlns:pvml="urn:schemas-microsoft-com:office:powerpoint" xmlns:com="http://schemas.openxmlformats.org/drawingml/2006/compatibility" xmlns:p14="http://schemas.microsoft.com/office/powerpoint/2010/main" xmlns:p15="http://schemas.microsoft.com/office/powerpoint/2012/main">
   <p:cSld>
     <p:spTree>
       <p:nvGrpSpPr>
-        <p:cNvPr id="91" name="Shape 91"/>
+        <p:cNvPr id="100" name="Shape 100"/>
         <p:cNvGrpSpPr/>
         <p:nvPr/>
       </p:nvGrpSpPr>
@@ -7747,7 +8397,7 @@
       </p:grpSpPr>
       <p:sp>
         <p:nvSpPr>
-          <p:cNvPr id="92" name="Shape 92"/>
+          <p:cNvPr id="101" name="Shape 101"/>
           <p:cNvSpPr txBox="1"/>
           <p:nvPr>
             <p:ph type="title"/>
@@ -7787,7 +8437,7 @@
       </p:sp>
       <p:sp>
         <p:nvSpPr>
-          <p:cNvPr id="93" name="Shape 93"/>
+          <p:cNvPr id="102" name="Shape 102"/>
           <p:cNvSpPr txBox="1"/>
           <p:nvPr>
             <p:ph idx="1" type="body"/>
@@ -7827,7 +8477,7 @@
       </p:sp>
       <p:pic>
         <p:nvPicPr>
-          <p:cNvPr id="94" name="Shape 94"/>
+          <p:cNvPr id="103" name="Shape 103"/>
           <p:cNvPicPr preferRelativeResize="0"/>
           <p:nvPr/>
         </p:nvPicPr>
@@ -7861,12 +8511,12 @@
 </p:sld>
 </file>
 
-<file path=ppt/slides/slide7.xml><?xml version="1.0" encoding="utf-8"?>
+<file path=ppt/slides/slide8.xml><?xml version="1.0" encoding="utf-8"?>
 <p:sld xmlns:a="http://schemas.openxmlformats.org/drawingml/2006/main" xmlns:r="http://schemas.openxmlformats.org/officeDocument/2006/relationships" xmlns:mc="http://schemas.openxmlformats.org/markup-compatibility/2006" xmlns:mv="urn:schemas-microsoft-com:mac:vml" xmlns:p="http://schemas.openxmlformats.org/presentationml/2006/main" xmlns:c="http://schemas.openxmlformats.org/drawingml/2006/chart" xmlns:dgm="http://schemas.openxmlformats.org/drawingml/2006/diagram" xmlns:o="urn:schemas-microsoft-com:office:office" xmlns:v="urn:schemas-microsoft-com:vml" xmlns:pvml="urn:schemas-microsoft-com:office:powerpoint" xmlns:com="http://schemas.openxmlformats.org/drawingml/2006/compatibility" xmlns:p14="http://schemas.microsoft.com/office/powerpoint/2010/main" xmlns:p15="http://schemas.microsoft.com/office/powerpoint/2012/main">
   <p:cSld>
     <p:spTree>
       <p:nvGrpSpPr>
-        <p:cNvPr id="98" name="Shape 98"/>
+        <p:cNvPr id="107" name="Shape 107"/>
         <p:cNvGrpSpPr/>
         <p:nvPr/>
       </p:nvGrpSpPr>
@@ -7880,7 +8530,7 @@
       </p:grpSpPr>
       <p:sp>
         <p:nvSpPr>
-          <p:cNvPr id="99" name="Shape 99"/>
+          <p:cNvPr id="108" name="Shape 108"/>
           <p:cNvSpPr txBox="1"/>
           <p:nvPr>
             <p:ph type="title"/>
@@ -7912,7 +8562,7 @@
             </a:pPr>
             <a:r>
               <a:rPr lang="en"/>
-              <a:t>CNN 2 </a:t>
+              <a:t>Keras - Convolution Neural Network</a:t>
             </a:r>
             <a:endParaRPr/>
           </a:p>
@@ -7920,7 +8570,7 @@
       </p:sp>
       <p:sp>
         <p:nvSpPr>
-          <p:cNvPr id="100" name="Shape 100"/>
+          <p:cNvPr id="109" name="Shape 109"/>
           <p:cNvSpPr txBox="1"/>
           <p:nvPr>
             <p:ph idx="1" type="body"/>
@@ -7957,6 +8607,34 @@
           </a:p>
         </p:txBody>
       </p:sp>
+      <p:pic>
+        <p:nvPicPr>
+          <p:cNvPr id="110" name="Shape 110"/>
+          <p:cNvPicPr preferRelativeResize="0"/>
+          <p:nvPr/>
+        </p:nvPicPr>
+        <p:blipFill>
+          <a:blip r:embed="rId3">
+            <a:alphaModFix/>
+          </a:blip>
+          <a:stretch>
+            <a:fillRect/>
+          </a:stretch>
+        </p:blipFill>
+        <p:spPr>
+          <a:xfrm>
+            <a:off x="311700" y="1170775"/>
+            <a:ext cx="8520599" cy="3462875"/>
+          </a:xfrm>
+          <a:prstGeom prst="rect">
+            <a:avLst/>
+          </a:prstGeom>
+          <a:noFill/>
+          <a:ln>
+            <a:noFill/>
+          </a:ln>
+        </p:spPr>
+      </p:pic>
     </p:spTree>
   </p:cSld>
   <p:clrMapOvr>
@@ -7965,12 +8643,12 @@
 </p:sld>
 </file>
 
-<file path=ppt/slides/slide8.xml><?xml version="1.0" encoding="utf-8"?>
+<file path=ppt/slides/slide9.xml><?xml version="1.0" encoding="utf-8"?>
 <p:sld xmlns:a="http://schemas.openxmlformats.org/drawingml/2006/main" xmlns:r="http://schemas.openxmlformats.org/officeDocument/2006/relationships" xmlns:mc="http://schemas.openxmlformats.org/markup-compatibility/2006" xmlns:mv="urn:schemas-microsoft-com:mac:vml" xmlns:p="http://schemas.openxmlformats.org/presentationml/2006/main" xmlns:c="http://schemas.openxmlformats.org/drawingml/2006/chart" xmlns:dgm="http://schemas.openxmlformats.org/drawingml/2006/diagram" xmlns:o="urn:schemas-microsoft-com:office:office" xmlns:v="urn:schemas-microsoft-com:vml" xmlns:pvml="urn:schemas-microsoft-com:office:powerpoint" xmlns:com="http://schemas.openxmlformats.org/drawingml/2006/compatibility" xmlns:p14="http://schemas.microsoft.com/office/powerpoint/2010/main" xmlns:p15="http://schemas.microsoft.com/office/powerpoint/2012/main">
   <p:cSld>
     <p:spTree>
       <p:nvGrpSpPr>
-        <p:cNvPr id="104" name="Shape 104"/>
+        <p:cNvPr id="114" name="Shape 114"/>
         <p:cNvGrpSpPr/>
         <p:nvPr/>
       </p:nvGrpSpPr>
@@ -7984,7 +8662,7 @@
       </p:grpSpPr>
       <p:sp>
         <p:nvSpPr>
-          <p:cNvPr id="105" name="Shape 105"/>
+          <p:cNvPr id="115" name="Shape 115"/>
           <p:cNvSpPr txBox="1"/>
           <p:nvPr>
             <p:ph type="title"/>
@@ -8016,7 +8694,7 @@
             </a:pPr>
             <a:r>
               <a:rPr lang="en"/>
-              <a:t>Conclusions</a:t>
+              <a:t>Keras Results</a:t>
             </a:r>
             <a:endParaRPr/>
           </a:p>
@@ -8024,7 +8702,7 @@
       </p:sp>
       <p:sp>
         <p:nvSpPr>
-          <p:cNvPr id="106" name="Shape 106"/>
+          <p:cNvPr id="116" name="Shape 116"/>
           <p:cNvSpPr txBox="1"/>
           <p:nvPr>
             <p:ph idx="1" type="body"/>
@@ -8055,12 +8733,77 @@
               <a:buNone/>
             </a:pPr>
             <a:r>
-              <a:t/>
+              <a:rPr b="1" lang="en"/>
+              <a:t>Architecture of the network </a:t>
             </a:r>
-            <a:endParaRPr/>
+            <a:r>
+              <a:rPr lang="en"/>
+              <a:t>                       </a:t>
+            </a:r>
+            <a:r>
+              <a:rPr b="1" lang="en"/>
+              <a:t>Performance and Accuracy</a:t>
+            </a:r>
+            <a:endParaRPr b="1"/>
           </a:p>
         </p:txBody>
       </p:sp>
+      <p:pic>
+        <p:nvPicPr>
+          <p:cNvPr id="117" name="Shape 117"/>
+          <p:cNvPicPr preferRelativeResize="0"/>
+          <p:nvPr/>
+        </p:nvPicPr>
+        <p:blipFill>
+          <a:blip r:embed="rId3">
+            <a:alphaModFix/>
+          </a:blip>
+          <a:stretch>
+            <a:fillRect/>
+          </a:stretch>
+        </p:blipFill>
+        <p:spPr>
+          <a:xfrm>
+            <a:off x="311700" y="1638825"/>
+            <a:ext cx="4273150" cy="3025325"/>
+          </a:xfrm>
+          <a:prstGeom prst="rect">
+            <a:avLst/>
+          </a:prstGeom>
+          <a:noFill/>
+          <a:ln>
+            <a:noFill/>
+          </a:ln>
+        </p:spPr>
+      </p:pic>
+      <p:pic>
+        <p:nvPicPr>
+          <p:cNvPr id="118" name="Shape 118"/>
+          <p:cNvPicPr preferRelativeResize="0"/>
+          <p:nvPr/>
+        </p:nvPicPr>
+        <p:blipFill>
+          <a:blip r:embed="rId4">
+            <a:alphaModFix/>
+          </a:blip>
+          <a:stretch>
+            <a:fillRect/>
+          </a:stretch>
+        </p:blipFill>
+        <p:spPr>
+          <a:xfrm>
+            <a:off x="4296225" y="1833813"/>
+            <a:ext cx="4620900" cy="2635350"/>
+          </a:xfrm>
+          <a:prstGeom prst="rect">
+            <a:avLst/>
+          </a:prstGeom>
+          <a:noFill/>
+          <a:ln>
+            <a:noFill/>
+          </a:ln>
+        </p:spPr>
+      </p:pic>
     </p:spTree>
   </p:cSld>
   <p:clrMapOvr>
